--- a/cv/cvIsmail.pptx
+++ b/cv/cvIsmail.pptx
@@ -114,6 +114,11 @@
             <a:srgbClr val="A4A3A4"/>
           </p15:clr>
         </p15:guide>
+        <p15:guide id="2" orient="horz" pos="3367">
+          <p15:clr>
+            <a:srgbClr val="A4A3A4"/>
+          </p15:clr>
+        </p15:guide>
       </p15:sldGuideLst>
     </p:ext>
   </p:extLst>
@@ -251,7 +256,7 @@
           <a:p>
             <a:fld id="{C6A59535-5823-E949-AD34-DDB1ED512BAB}" type="datetimeFigureOut">
               <a:rPr lang="fr-FR" smtClean="0"/>
-              <a:t>30/06/2020</a:t>
+              <a:t>01/07/2020</a:t>
             </a:fld>
             <a:endParaRPr lang="fr-FR"/>
           </a:p>
@@ -416,7 +421,7 @@
           <a:p>
             <a:fld id="{C6A59535-5823-E949-AD34-DDB1ED512BAB}" type="datetimeFigureOut">
               <a:rPr lang="fr-FR" smtClean="0"/>
-              <a:t>30/06/2020</a:t>
+              <a:t>01/07/2020</a:t>
             </a:fld>
             <a:endParaRPr lang="fr-FR"/>
           </a:p>
@@ -591,7 +596,7 @@
           <a:p>
             <a:fld id="{C6A59535-5823-E949-AD34-DDB1ED512BAB}" type="datetimeFigureOut">
               <a:rPr lang="fr-FR" smtClean="0"/>
-              <a:t>30/06/2020</a:t>
+              <a:t>01/07/2020</a:t>
             </a:fld>
             <a:endParaRPr lang="fr-FR"/>
           </a:p>
@@ -720,7 +725,7 @@
           <a:p>
             <a:fld id="{1D8BD707-D9CF-40AE-B4C6-C98DA3205C09}" type="datetimeFigureOut">
               <a:rPr lang="en-US"/>
-              <a:t>6/30/2020</a:t>
+              <a:t>7/1/2020</a:t>
             </a:fld>
             <a:endParaRPr lang="en-US"/>
           </a:p>
@@ -880,7 +885,7 @@
           <a:p>
             <a:fld id="{C6A59535-5823-E949-AD34-DDB1ED512BAB}" type="datetimeFigureOut">
               <a:rPr lang="fr-FR" smtClean="0"/>
-              <a:t>30/06/2020</a:t>
+              <a:t>01/07/2020</a:t>
             </a:fld>
             <a:endParaRPr lang="fr-FR"/>
           </a:p>
@@ -1119,7 +1124,7 @@
           <a:p>
             <a:fld id="{C6A59535-5823-E949-AD34-DDB1ED512BAB}" type="datetimeFigureOut">
               <a:rPr lang="fr-FR" smtClean="0"/>
-              <a:t>30/06/2020</a:t>
+              <a:t>01/07/2020</a:t>
             </a:fld>
             <a:endParaRPr lang="fr-FR"/>
           </a:p>
@@ -1346,7 +1351,7 @@
           <a:p>
             <a:fld id="{C6A59535-5823-E949-AD34-DDB1ED512BAB}" type="datetimeFigureOut">
               <a:rPr lang="fr-FR" smtClean="0"/>
-              <a:t>30/06/2020</a:t>
+              <a:t>01/07/2020</a:t>
             </a:fld>
             <a:endParaRPr lang="fr-FR"/>
           </a:p>
@@ -1708,7 +1713,7 @@
           <a:p>
             <a:fld id="{C6A59535-5823-E949-AD34-DDB1ED512BAB}" type="datetimeFigureOut">
               <a:rPr lang="fr-FR" smtClean="0"/>
-              <a:t>30/06/2020</a:t>
+              <a:t>01/07/2020</a:t>
             </a:fld>
             <a:endParaRPr lang="fr-FR"/>
           </a:p>
@@ -1821,7 +1826,7 @@
           <a:p>
             <a:fld id="{C6A59535-5823-E949-AD34-DDB1ED512BAB}" type="datetimeFigureOut">
               <a:rPr lang="fr-FR" smtClean="0"/>
-              <a:t>30/06/2020</a:t>
+              <a:t>01/07/2020</a:t>
             </a:fld>
             <a:endParaRPr lang="fr-FR"/>
           </a:p>
@@ -1911,7 +1916,7 @@
           <a:p>
             <a:fld id="{C6A59535-5823-E949-AD34-DDB1ED512BAB}" type="datetimeFigureOut">
               <a:rPr lang="fr-FR" smtClean="0"/>
-              <a:t>30/06/2020</a:t>
+              <a:t>01/07/2020</a:t>
             </a:fld>
             <a:endParaRPr lang="fr-FR"/>
           </a:p>
@@ -2183,7 +2188,7 @@
           <a:p>
             <a:fld id="{C6A59535-5823-E949-AD34-DDB1ED512BAB}" type="datetimeFigureOut">
               <a:rPr lang="fr-FR" smtClean="0"/>
-              <a:t>30/06/2020</a:t>
+              <a:t>01/07/2020</a:t>
             </a:fld>
             <a:endParaRPr lang="fr-FR"/>
           </a:p>
@@ -2435,7 +2440,7 @@
           <a:p>
             <a:fld id="{C6A59535-5823-E949-AD34-DDB1ED512BAB}" type="datetimeFigureOut">
               <a:rPr lang="fr-FR" smtClean="0"/>
-              <a:t>30/06/2020</a:t>
+              <a:t>01/07/2020</a:t>
             </a:fld>
             <a:endParaRPr lang="fr-FR"/>
           </a:p>
@@ -2643,7 +2648,7 @@
           <a:p>
             <a:fld id="{C6A59535-5823-E949-AD34-DDB1ED512BAB}" type="datetimeFigureOut">
               <a:rPr lang="fr-FR" smtClean="0"/>
-              <a:t>30/06/2020</a:t>
+              <a:t>01/07/2020</a:t>
             </a:fld>
             <a:endParaRPr lang="fr-FR"/>
           </a:p>
@@ -6248,8 +6253,8 @@
         </p:nvSpPr>
         <p:spPr>
           <a:xfrm>
-            <a:off x="3179675" y="2929226"/>
-            <a:ext cx="4258140" cy="7386638"/>
+            <a:off x="3281996" y="2935415"/>
+            <a:ext cx="4047640" cy="7602081"/>
           </a:xfrm>
           <a:prstGeom prst="rect">
             <a:avLst/>
@@ -6265,19 +6270,19 @@
               <a:defRPr/>
             </a:pPr>
             <a:r>
-              <a:rPr lang="fr-FR" sz="1000" b="1" dirty="0"/>
+              <a:rPr lang="fr-FR" sz="950" b="1" dirty="0"/>
               <a:t>Développement</a:t>
             </a:r>
             <a:r>
-              <a:rPr lang="fr-FR" sz="1000" b="1" i="1" dirty="0"/>
+              <a:rPr lang="fr-FR" sz="950" b="1" i="1" dirty="0"/>
               <a:t> </a:t>
             </a:r>
             <a:r>
-              <a:rPr lang="fr-FR" sz="1000" b="1" i="1" dirty="0" err="1"/>
+              <a:rPr lang="fr-FR" sz="950" b="1" i="1" dirty="0" err="1"/>
               <a:t>back-end</a:t>
             </a:r>
             <a:r>
-              <a:rPr lang="fr-FR" sz="1000" b="1" i="1" dirty="0"/>
+              <a:rPr lang="fr-FR" sz="950" b="1" i="1" dirty="0"/>
               <a:t> :</a:t>
             </a:r>
           </a:p>
@@ -6285,7 +6290,7 @@
             <a:pPr defTabSz="685800">
               <a:defRPr/>
             </a:pPr>
-            <a:endParaRPr lang="fr-FR" sz="1000" b="1" i="1" dirty="0"/>
+            <a:endParaRPr lang="fr-FR" sz="950" b="1" i="1" dirty="0"/>
           </a:p>
           <a:p>
             <a:pPr marL="171450" indent="-171450" defTabSz="685800">
@@ -6294,7 +6299,7 @@
               <a:defRPr/>
             </a:pPr>
             <a:r>
-              <a:rPr lang="fr-FR" sz="1000" dirty="0"/>
+              <a:rPr lang="fr-FR" sz="950" dirty="0"/>
               <a:t>Création de base de données MySQL :</a:t>
             </a:r>
           </a:p>
@@ -6305,7 +6310,7 @@
               <a:defRPr/>
             </a:pPr>
             <a:r>
-              <a:rPr lang="fr-FR" sz="1000" dirty="0"/>
+              <a:rPr lang="fr-FR" sz="950" dirty="0"/>
               <a:t>Conformité de la base de données au schéma physique ;</a:t>
             </a:r>
           </a:p>
@@ -6316,7 +6321,7 @@
               <a:defRPr/>
             </a:pPr>
             <a:r>
-              <a:rPr lang="fr-FR" sz="1000" dirty="0"/>
+              <a:rPr lang="fr-FR" sz="950" dirty="0"/>
               <a:t>Développement de scripts de création de bases de données ; </a:t>
             </a:r>
           </a:p>
@@ -6327,7 +6332,7 @@
               <a:defRPr/>
             </a:pPr>
             <a:r>
-              <a:rPr lang="fr-FR" sz="1000" dirty="0"/>
+              <a:rPr lang="fr-FR" sz="950" dirty="0"/>
               <a:t>Développement de scripts d’insertion des données de test ;</a:t>
             </a:r>
           </a:p>
@@ -6338,7 +6343,7 @@
               <a:defRPr/>
             </a:pPr>
             <a:r>
-              <a:rPr lang="fr-FR" sz="1000" dirty="0"/>
+              <a:rPr lang="fr-FR" sz="950" dirty="0"/>
               <a:t>Développement des composants d’accès aux données en PHP :</a:t>
             </a:r>
           </a:p>
@@ -6349,7 +6354,7 @@
               <a:defRPr/>
             </a:pPr>
             <a:r>
-              <a:rPr lang="fr-FR" sz="1000" dirty="0"/>
+              <a:rPr lang="fr-FR" sz="950" dirty="0"/>
               <a:t>Développement de scripts de traitements manipulant des données ;</a:t>
             </a:r>
           </a:p>
@@ -6360,7 +6365,7 @@
               <a:defRPr/>
             </a:pPr>
             <a:r>
-              <a:rPr lang="fr-FR" sz="1000" dirty="0"/>
+              <a:rPr lang="fr-FR" sz="950" dirty="0"/>
               <a:t>Élaboration de tests unitaires pour chaque composant ;</a:t>
             </a:r>
           </a:p>
@@ -6371,19 +6376,19 @@
               <a:defRPr/>
             </a:pPr>
             <a:r>
-              <a:rPr lang="fr-FR" sz="1000" dirty="0"/>
+              <a:rPr lang="fr-FR" sz="950" dirty="0"/>
               <a:t>Développement de la partie </a:t>
             </a:r>
             <a:r>
-              <a:rPr lang="fr-FR" sz="1000" i="1" dirty="0" err="1"/>
+              <a:rPr lang="fr-FR" sz="950" i="1" dirty="0" err="1"/>
               <a:t>back-end</a:t>
             </a:r>
             <a:r>
-              <a:rPr lang="fr-FR" sz="1000" i="1" dirty="0"/>
+              <a:rPr lang="fr-FR" sz="950" i="1" dirty="0"/>
               <a:t> </a:t>
             </a:r>
             <a:r>
-              <a:rPr lang="fr-FR" sz="1000" dirty="0"/>
+              <a:rPr lang="fr-FR" sz="950" dirty="0"/>
               <a:t>d’une application web ou web mobile avec Symfony :</a:t>
             </a:r>
           </a:p>
@@ -6394,7 +6399,7 @@
               <a:defRPr/>
             </a:pPr>
             <a:r>
-              <a:rPr lang="fr-FR" sz="1000" dirty="0"/>
+              <a:rPr lang="fr-FR" sz="950" dirty="0"/>
               <a:t>Respect des préconisations de sécurité ;</a:t>
             </a:r>
           </a:p>
@@ -6405,7 +6410,7 @@
               <a:defRPr/>
             </a:pPr>
             <a:r>
-              <a:rPr lang="fr-FR" sz="1000" dirty="0"/>
+              <a:rPr lang="fr-FR" sz="950" dirty="0"/>
               <a:t>Optimisation du temps de chargement  ;</a:t>
             </a:r>
           </a:p>
@@ -6416,7 +6421,7 @@
               <a:defRPr/>
             </a:pPr>
             <a:r>
-              <a:rPr lang="fr-FR" sz="1000" dirty="0"/>
+              <a:rPr lang="fr-FR" sz="950" dirty="0"/>
               <a:t>Documentation du code source des composants ;</a:t>
             </a:r>
           </a:p>
@@ -6426,7 +6431,7 @@
               <a:buChar char="§"/>
               <a:defRPr/>
             </a:pPr>
-            <a:endParaRPr lang="fr-FR" sz="1000" b="1" dirty="0"/>
+            <a:endParaRPr lang="fr-FR" sz="950" b="1" dirty="0"/>
           </a:p>
           <a:p>
             <a:pPr marL="171450" indent="-171450" defTabSz="685800">
@@ -6434,26 +6439,26 @@
               <a:buChar char="§"/>
               <a:defRPr/>
             </a:pPr>
-            <a:endParaRPr lang="fr-FR" sz="1000" b="1" dirty="0"/>
+            <a:endParaRPr lang="fr-FR" sz="950" b="1" dirty="0"/>
           </a:p>
           <a:p>
             <a:pPr defTabSz="685800">
               <a:defRPr/>
             </a:pPr>
             <a:r>
-              <a:rPr lang="fr-FR" sz="1000" b="1" dirty="0"/>
+              <a:rPr lang="fr-FR" sz="950" b="1" dirty="0"/>
               <a:t>Développement</a:t>
             </a:r>
             <a:r>
-              <a:rPr lang="fr-FR" sz="1000" b="1" i="1" dirty="0"/>
+              <a:rPr lang="fr-FR" sz="950" b="1" i="1" dirty="0"/>
               <a:t> </a:t>
             </a:r>
             <a:r>
-              <a:rPr lang="fr-FR" sz="1000" b="1" i="1" dirty="0" err="1"/>
+              <a:rPr lang="fr-FR" sz="950" b="1" i="1" dirty="0" err="1"/>
               <a:t>front-end</a:t>
             </a:r>
             <a:r>
-              <a:rPr lang="fr-FR" sz="1000" b="1" i="1" dirty="0"/>
+              <a:rPr lang="fr-FR" sz="950" b="1" i="1" dirty="0"/>
               <a:t> :</a:t>
             </a:r>
           </a:p>
@@ -6461,7 +6466,7 @@
             <a:pPr defTabSz="685800">
               <a:defRPr/>
             </a:pPr>
-            <a:endParaRPr lang="fr-FR" sz="1000" b="1" i="1" dirty="0"/>
+            <a:endParaRPr lang="fr-FR" sz="950" b="1" i="1" dirty="0"/>
           </a:p>
           <a:p>
             <a:pPr marL="171450" indent="-171450" defTabSz="685800">
@@ -6470,7 +6475,7 @@
               <a:defRPr/>
             </a:pPr>
             <a:r>
-              <a:rPr lang="fr-FR" sz="1000" dirty="0"/>
+              <a:rPr lang="fr-FR" sz="950" dirty="0"/>
               <a:t>Intégration HTML/CSS des pages Web en tenant compte des standards, du référencement, de l'accessibilité et de l'ergonomie :</a:t>
             </a:r>
           </a:p>
@@ -6481,7 +6486,7 @@
               <a:defRPr/>
             </a:pPr>
             <a:r>
-              <a:rPr lang="fr-FR" sz="1000" dirty="0"/>
+              <a:rPr lang="fr-FR" sz="950" dirty="0"/>
               <a:t>Respect des standards du W3C ;</a:t>
             </a:r>
           </a:p>
@@ -6492,7 +6497,7 @@
               <a:defRPr/>
             </a:pPr>
             <a:r>
-              <a:rPr lang="fr-FR" sz="1000" dirty="0"/>
+              <a:rPr lang="fr-FR" sz="950" dirty="0"/>
               <a:t>Optimisation des pages pour les navigateurs cibles ;</a:t>
             </a:r>
           </a:p>
@@ -6503,7 +6508,7 @@
               <a:defRPr/>
             </a:pPr>
             <a:r>
-              <a:rPr lang="fr-FR" sz="1000" dirty="0"/>
+              <a:rPr lang="fr-FR" sz="950" dirty="0"/>
               <a:t>Adaptabilité des pages aux périphériques cibles ;</a:t>
             </a:r>
           </a:p>
@@ -6514,7 +6519,7 @@
               <a:defRPr/>
             </a:pPr>
             <a:r>
-              <a:rPr lang="fr-FR" sz="1000" dirty="0"/>
+              <a:rPr lang="fr-FR" sz="950" dirty="0"/>
               <a:t>Code optimisé pour le référencement naturel ;</a:t>
             </a:r>
           </a:p>
@@ -6525,7 +6530,7 @@
               <a:defRPr/>
             </a:pPr>
             <a:r>
-              <a:rPr lang="fr-FR" sz="1000" dirty="0"/>
+              <a:rPr lang="fr-FR" sz="950" dirty="0"/>
               <a:t>Prise en compte des retours d'expérience utilisateur pour améliorer l'ergonomie ;</a:t>
             </a:r>
           </a:p>
@@ -6536,23 +6541,23 @@
               <a:defRPr/>
             </a:pPr>
             <a:r>
-              <a:rPr lang="fr-FR" sz="1000" dirty="0"/>
+              <a:rPr lang="fr-FR" sz="950" dirty="0"/>
               <a:t>Développement d’interfaces utilisateur web adaptables et dynamiques (HTML/CSS/JavaScript – </a:t>
             </a:r>
             <a:r>
-              <a:rPr lang="fr-FR" sz="1000" dirty="0" err="1"/>
+              <a:rPr lang="fr-FR" sz="950" dirty="0" err="1"/>
               <a:t>React</a:t>
             </a:r>
             <a:r>
-              <a:rPr lang="fr-FR" sz="1000" dirty="0"/>
+              <a:rPr lang="fr-FR" sz="950" dirty="0"/>
               <a:t> &amp; </a:t>
             </a:r>
             <a:r>
-              <a:rPr lang="fr-FR" sz="1000" dirty="0" err="1"/>
+              <a:rPr lang="fr-FR" sz="950" dirty="0" err="1"/>
               <a:t>React</a:t>
             </a:r>
             <a:r>
-              <a:rPr lang="fr-FR" sz="1000" dirty="0"/>
+              <a:rPr lang="fr-FR" sz="950" dirty="0"/>
               <a:t> Native) :</a:t>
             </a:r>
           </a:p>
@@ -6563,19 +6568,19 @@
               <a:defRPr/>
             </a:pPr>
             <a:r>
-              <a:rPr lang="fr-FR" sz="1000" dirty="0" err="1"/>
+              <a:rPr lang="fr-FR" sz="950" dirty="0" err="1"/>
               <a:t>Flexbox</a:t>
             </a:r>
             <a:r>
-              <a:rPr lang="fr-FR" sz="1000" dirty="0"/>
+              <a:rPr lang="fr-FR" sz="950" dirty="0"/>
               <a:t>, Media </a:t>
             </a:r>
             <a:r>
-              <a:rPr lang="fr-FR" sz="1000" dirty="0" err="1"/>
+              <a:rPr lang="fr-FR" sz="950" dirty="0" err="1"/>
               <a:t>Queries</a:t>
             </a:r>
             <a:r>
-              <a:rPr lang="fr-FR" sz="1000" dirty="0"/>
+              <a:rPr lang="fr-FR" sz="950" dirty="0"/>
               <a:t> ; </a:t>
             </a:r>
           </a:p>
@@ -6586,31 +6591,31 @@
               <a:defRPr/>
             </a:pPr>
             <a:r>
-              <a:rPr lang="fr-FR" sz="1000" dirty="0"/>
+              <a:rPr lang="fr-FR" sz="950" dirty="0"/>
               <a:t>Utilisation de </a:t>
             </a:r>
             <a:r>
-              <a:rPr lang="fr-FR" sz="1000" i="1" dirty="0" err="1"/>
+              <a:rPr lang="fr-FR" sz="950" i="1" dirty="0" err="1"/>
               <a:t>frameworks</a:t>
             </a:r>
             <a:r>
-              <a:rPr lang="fr-FR" sz="1000" dirty="0"/>
+              <a:rPr lang="fr-FR" sz="950" dirty="0"/>
               <a:t> </a:t>
             </a:r>
             <a:r>
-              <a:rPr lang="fr-FR" sz="1000" i="1" dirty="0"/>
+              <a:rPr lang="fr-FR" sz="950" i="1" dirty="0"/>
               <a:t>front </a:t>
             </a:r>
             <a:r>
-              <a:rPr lang="fr-FR" sz="1000" dirty="0"/>
+              <a:rPr lang="fr-FR" sz="950" dirty="0"/>
               <a:t>(</a:t>
             </a:r>
             <a:r>
-              <a:rPr lang="fr-FR" sz="1000" dirty="0" err="1"/>
+              <a:rPr lang="fr-FR" sz="950" dirty="0" err="1"/>
               <a:t>Bootrstrap</a:t>
             </a:r>
             <a:r>
-              <a:rPr lang="fr-FR" sz="1000" dirty="0"/>
+              <a:rPr lang="fr-FR" sz="950" dirty="0"/>
               <a:t>) ;</a:t>
             </a:r>
           </a:p>
@@ -6618,20 +6623,20 @@
             <a:pPr lvl="2" defTabSz="685800">
               <a:defRPr/>
             </a:pPr>
-            <a:endParaRPr lang="fr-FR" sz="1000" dirty="0"/>
+            <a:endParaRPr lang="fr-FR" sz="950" dirty="0"/>
           </a:p>
           <a:p>
             <a:pPr lvl="2" defTabSz="685800">
               <a:defRPr/>
             </a:pPr>
-            <a:endParaRPr lang="fr-FR" sz="1000" dirty="0"/>
+            <a:endParaRPr lang="fr-FR" sz="950" dirty="0"/>
           </a:p>
           <a:p>
             <a:pPr defTabSz="685800">
               <a:defRPr/>
             </a:pPr>
             <a:r>
-              <a:rPr lang="fr-FR" sz="1000" b="1" dirty="0"/>
+              <a:rPr lang="fr-FR" sz="950" b="1" dirty="0"/>
               <a:t>Gestion de projet / Conception / Design :</a:t>
             </a:r>
           </a:p>
@@ -6639,7 +6644,7 @@
             <a:pPr defTabSz="685800">
               <a:defRPr/>
             </a:pPr>
-            <a:endParaRPr lang="fr-FR" sz="1000" b="1" dirty="0"/>
+            <a:endParaRPr lang="fr-FR" sz="950" b="1" dirty="0"/>
           </a:p>
           <a:p>
             <a:pPr marL="171450" indent="-171450" defTabSz="685800">
@@ -6648,7 +6653,7 @@
               <a:defRPr/>
             </a:pPr>
             <a:r>
-              <a:rPr lang="fr-FR" sz="1000" dirty="0"/>
+              <a:rPr lang="fr-FR" sz="950" dirty="0"/>
               <a:t>Élaboration du design graphique (charte graphique, maquette) d'un outil de communication numérique : </a:t>
             </a:r>
           </a:p>
@@ -6659,7 +6664,7 @@
               <a:defRPr/>
             </a:pPr>
             <a:r>
-              <a:rPr lang="fr-FR" sz="1000" dirty="0"/>
+              <a:rPr lang="fr-FR" sz="950" dirty="0"/>
               <a:t>conformité de la mise en page à la demande, </a:t>
             </a:r>
           </a:p>
@@ -6670,7 +6675,7 @@
               <a:defRPr/>
             </a:pPr>
             <a:r>
-              <a:rPr lang="fr-FR" sz="1000" dirty="0"/>
+              <a:rPr lang="fr-FR" sz="950" dirty="0"/>
               <a:t>typographies sélectionnées en fonction de la nature du projet, </a:t>
             </a:r>
           </a:p>
@@ -6681,7 +6686,7 @@
               <a:defRPr/>
             </a:pPr>
             <a:r>
-              <a:rPr lang="fr-FR" sz="1000" dirty="0"/>
+              <a:rPr lang="fr-FR" sz="950" dirty="0"/>
               <a:t>adaptation du format des images et du mode colorimétrique au support, </a:t>
             </a:r>
           </a:p>
@@ -6692,7 +6697,7 @@
               <a:defRPr/>
             </a:pPr>
             <a:r>
-              <a:rPr lang="fr-FR" sz="1000" dirty="0"/>
+              <a:rPr lang="fr-FR" sz="950" dirty="0"/>
               <a:t>adaptation des formats d’enregistrements au support ;</a:t>
             </a:r>
           </a:p>
@@ -6703,23 +6708,23 @@
               <a:defRPr/>
             </a:pPr>
             <a:r>
-              <a:rPr lang="fr-FR" sz="1000" dirty="0"/>
+              <a:rPr lang="fr-FR" sz="950" dirty="0"/>
               <a:t>Réalisation de maquettes et d’interfaces de sites et d’applications (ergonomie, hiérarchisation de l'information, arborescence) avec Photoshop, </a:t>
             </a:r>
             <a:r>
-              <a:rPr lang="fr-FR" sz="1000" dirty="0" err="1"/>
+              <a:rPr lang="fr-FR" sz="950" dirty="0" err="1"/>
               <a:t>Krita</a:t>
             </a:r>
             <a:r>
-              <a:rPr lang="fr-FR" sz="1000" dirty="0"/>
+              <a:rPr lang="fr-FR" sz="950" dirty="0"/>
               <a:t> ou The </a:t>
             </a:r>
             <a:r>
-              <a:rPr lang="fr-FR" sz="1000" dirty="0" err="1"/>
+              <a:rPr lang="fr-FR" sz="950" dirty="0" err="1"/>
               <a:t>Gimp</a:t>
             </a:r>
             <a:r>
-              <a:rPr lang="fr-FR" sz="1000" dirty="0"/>
+              <a:rPr lang="fr-FR" sz="950" dirty="0"/>
               <a:t> ;</a:t>
             </a:r>
           </a:p>
@@ -6730,7 +6735,7 @@
               <a:defRPr/>
             </a:pPr>
             <a:r>
-              <a:rPr lang="fr-FR" sz="1000" dirty="0"/>
+              <a:rPr lang="fr-FR" sz="950" dirty="0"/>
               <a:t>Contribution à l'élaboration de cahiers des charges : respect de la législation,  prise en compte des recommandations de sécurité ;</a:t>
             </a:r>
           </a:p>
@@ -6741,7 +6746,7 @@
               <a:defRPr/>
             </a:pPr>
             <a:r>
-              <a:rPr lang="fr-FR" sz="1000" dirty="0"/>
+              <a:rPr lang="fr-FR" sz="950" dirty="0"/>
               <a:t>Optimisation continue des sites ou une applications Web ;</a:t>
             </a:r>
           </a:p>
@@ -6752,16 +6757,54 @@
               <a:defRPr/>
             </a:pPr>
             <a:r>
-              <a:rPr lang="fr-FR" sz="1000" dirty="0"/>
+              <a:rPr lang="fr-FR" sz="950" dirty="0"/>
               <a:t>Travail collaboratif avec </a:t>
             </a:r>
             <a:r>
-              <a:rPr lang="fr-FR" sz="1000" dirty="0" err="1"/>
+              <a:rPr lang="fr-FR" sz="950" dirty="0" err="1"/>
               <a:t>Github</a:t>
             </a:r>
             <a:r>
-              <a:rPr lang="fr-FR" sz="1000" dirty="0"/>
+              <a:rPr lang="fr-FR" sz="950" dirty="0"/>
               <a:t>, gestion de version avec Git.</a:t>
+            </a:r>
+          </a:p>
+          <a:p>
+            <a:pPr marL="171450" indent="-171450" defTabSz="685800">
+              <a:buFont typeface="Courier New" panose="02070309020205020404" pitchFamily="49" charset="0"/>
+              <a:buChar char="o"/>
+              <a:defRPr/>
+            </a:pPr>
+            <a:r>
+              <a:rPr lang="fr-FR" sz="950" dirty="0"/>
+              <a:t>Base de compétences dans la sécurité / anonymat en ligne (</a:t>
+            </a:r>
+            <a:r>
+              <a:rPr lang="fr-FR" sz="950" dirty="0" err="1"/>
+              <a:t>vpn</a:t>
+            </a:r>
+            <a:r>
+              <a:rPr lang="fr-FR" sz="950" dirty="0"/>
+              <a:t>, socks5 / 4, Tor), et Linux ;</a:t>
+            </a:r>
+          </a:p>
+          <a:p>
+            <a:pPr marL="171450" indent="-171450" defTabSz="685800">
+              <a:buFont typeface="Courier New" panose="02070309020205020404" pitchFamily="49" charset="0"/>
+              <a:buChar char="o"/>
+              <a:defRPr/>
+            </a:pPr>
+            <a:r>
+              <a:rPr lang="fr-FR" sz="950" dirty="0"/>
+              <a:t>Publier des sites et applications Web avec </a:t>
+            </a:r>
+            <a:r>
+              <a:rPr lang="fr-FR" sz="950" dirty="0" err="1"/>
+              <a:t>FileZilla</a:t>
+            </a:r>
+            <a:r>
+              <a:rPr lang="fr-FR" sz="950" dirty="0"/>
+              <a:t> et en SSH, gestion des permissions.</a:t>
             </a:r>
           </a:p>
         </p:txBody>
@@ -8489,7 +8532,7 @@
               <a:pPr algn="r" defTabSz="685800">
                 <a:defRPr/>
               </a:pPr>
-              <a:t>mardi 30 juin 2020</a:t>
+              <a:t>mercredi 1er juillet 2020</a:t>
             </a:fld>
             <a:endParaRPr lang="fr-FR" sz="1400" b="1" dirty="0"/>
           </a:p>
